--- a/05_revue_de_projet/revue_01/01_arnaud_jullien/revue_01_arnaud_jullien.pptx
+++ b/05_revue_de_projet/revue_01/01_arnaud_jullien/revue_01_arnaud_jullien.pptx
@@ -8408,29 +8408,8 @@
               <a:rPr lang="fr-FR" dirty="0">
                 <a:effectLst/>
               </a:rPr>
-              <a:t>programmer la commande consigne en python </a:t>
-            </a:r>
-            <a:r>
-              <a:rPr lang="fr-FR" dirty="0" err="1">
-                <a:effectLst/>
-              </a:rPr>
-              <a:t>manon</a:t>
-            </a:r>
-            <a:r>
-              <a:rPr lang="fr-FR" dirty="0">
-                <a:effectLst/>
-              </a:rPr>
-              <a:t> est </a:t>
-            </a:r>
-            <a:r>
-              <a:rPr lang="fr-FR" dirty="0" err="1">
-                <a:effectLst/>
-              </a:rPr>
-              <a:t>geniale</a:t>
-            </a:r>
-            <a:endParaRPr lang="fr-FR" dirty="0">
-              <a:effectLst/>
-            </a:endParaRPr>
+              <a:t>programmer la commande consigne en python</a:t>
+            </a:r>
           </a:p>
           <a:p>
             <a:pPr marL="0" indent="0">

--- a/05_revue_de_projet/revue_01/01_arnaud_jullien/revue_01_arnaud_jullien.pptx
+++ b/05_revue_de_projet/revue_01/01_arnaud_jullien/revue_01_arnaud_jullien.pptx
@@ -6,8 +6,8 @@
   </p:sldMasterIdLst>
   <p:sldIdLst>
     <p:sldId id="256" r:id="rId2"/>
-    <p:sldId id="257" r:id="rId3"/>
-    <p:sldId id="259" r:id="rId4"/>
+    <p:sldId id="259" r:id="rId3"/>
+    <p:sldId id="257" r:id="rId4"/>
     <p:sldId id="258" r:id="rId5"/>
     <p:sldId id="260" r:id="rId6"/>
   </p:sldIdLst>
@@ -1389,7 +1389,7 @@
           <a:p>
             <a:fld id="{1F5DCE98-6469-4349-83BA-9C41D5BCF405}" type="datetimeFigureOut">
               <a:rPr lang="fr-FR" smtClean="0"/>
-              <a:t>30/01/2018</a:t>
+              <a:t>06/02/2018</a:t>
             </a:fld>
             <a:endParaRPr lang="fr-FR"/>
           </a:p>
@@ -1680,7 +1680,7 @@
           <a:p>
             <a:fld id="{1F5DCE98-6469-4349-83BA-9C41D5BCF405}" type="datetimeFigureOut">
               <a:rPr lang="fr-FR" smtClean="0"/>
-              <a:t>30/01/2018</a:t>
+              <a:t>06/02/2018</a:t>
             </a:fld>
             <a:endParaRPr lang="fr-FR"/>
           </a:p>
@@ -1939,7 +1939,7 @@
           <a:p>
             <a:fld id="{1F5DCE98-6469-4349-83BA-9C41D5BCF405}" type="datetimeFigureOut">
               <a:rPr lang="fr-FR" smtClean="0"/>
-              <a:t>30/01/2018</a:t>
+              <a:t>06/02/2018</a:t>
             </a:fld>
             <a:endParaRPr lang="fr-FR"/>
           </a:p>
@@ -2408,7 +2408,7 @@
           <a:p>
             <a:fld id="{1F5DCE98-6469-4349-83BA-9C41D5BCF405}" type="datetimeFigureOut">
               <a:rPr lang="fr-FR" smtClean="0"/>
-              <a:t>30/01/2018</a:t>
+              <a:t>06/02/2018</a:t>
             </a:fld>
             <a:endParaRPr lang="fr-FR"/>
           </a:p>
@@ -2588,7 +2588,7 @@
           <a:p>
             <a:fld id="{1F5DCE98-6469-4349-83BA-9C41D5BCF405}" type="datetimeFigureOut">
               <a:rPr lang="fr-FR" smtClean="0"/>
-              <a:t>30/01/2018</a:t>
+              <a:t>06/02/2018</a:t>
             </a:fld>
             <a:endParaRPr lang="fr-FR"/>
           </a:p>
@@ -3164,7 +3164,7 @@
           <a:p>
             <a:fld id="{1F5DCE98-6469-4349-83BA-9C41D5BCF405}" type="datetimeFigureOut">
               <a:rPr lang="fr-FR" smtClean="0"/>
-              <a:t>30/01/2018</a:t>
+              <a:t>06/02/2018</a:t>
             </a:fld>
             <a:endParaRPr lang="fr-FR"/>
           </a:p>
@@ -3496,7 +3496,7 @@
           <a:p>
             <a:fld id="{1F5DCE98-6469-4349-83BA-9C41D5BCF405}" type="datetimeFigureOut">
               <a:rPr lang="fr-FR" smtClean="0"/>
-              <a:t>30/01/2018</a:t>
+              <a:t>06/02/2018</a:t>
             </a:fld>
             <a:endParaRPr lang="fr-FR"/>
           </a:p>
@@ -3671,7 +3671,7 @@
           <a:p>
             <a:fld id="{1F5DCE98-6469-4349-83BA-9C41D5BCF405}" type="datetimeFigureOut">
               <a:rPr lang="fr-FR" smtClean="0"/>
-              <a:t>30/01/2018</a:t>
+              <a:t>06/02/2018</a:t>
             </a:fld>
             <a:endParaRPr lang="fr-FR"/>
           </a:p>
@@ -3851,7 +3851,7 @@
           <a:p>
             <a:fld id="{1F5DCE98-6469-4349-83BA-9C41D5BCF405}" type="datetimeFigureOut">
               <a:rPr lang="fr-FR" smtClean="0"/>
-              <a:t>30/01/2018</a:t>
+              <a:t>06/02/2018</a:t>
             </a:fld>
             <a:endParaRPr lang="fr-FR"/>
           </a:p>
@@ -4021,7 +4021,7 @@
           <a:p>
             <a:fld id="{1F5DCE98-6469-4349-83BA-9C41D5BCF405}" type="datetimeFigureOut">
               <a:rPr lang="fr-FR" smtClean="0"/>
-              <a:t>30/01/2018</a:t>
+              <a:t>06/02/2018</a:t>
             </a:fld>
             <a:endParaRPr lang="fr-FR"/>
           </a:p>
@@ -4278,7 +4278,7 @@
           <a:p>
             <a:fld id="{1F5DCE98-6469-4349-83BA-9C41D5BCF405}" type="datetimeFigureOut">
               <a:rPr lang="fr-FR" smtClean="0"/>
-              <a:t>30/01/2018</a:t>
+              <a:t>06/02/2018</a:t>
             </a:fld>
             <a:endParaRPr lang="fr-FR"/>
           </a:p>
@@ -4570,7 +4570,7 @@
           <a:p>
             <a:fld id="{1F5DCE98-6469-4349-83BA-9C41D5BCF405}" type="datetimeFigureOut">
               <a:rPr lang="fr-FR" smtClean="0"/>
-              <a:t>30/01/2018</a:t>
+              <a:t>06/02/2018</a:t>
             </a:fld>
             <a:endParaRPr lang="fr-FR"/>
           </a:p>
@@ -5000,7 +5000,7 @@
           <a:p>
             <a:fld id="{1F5DCE98-6469-4349-83BA-9C41D5BCF405}" type="datetimeFigureOut">
               <a:rPr lang="fr-FR" smtClean="0"/>
-              <a:t>30/01/2018</a:t>
+              <a:t>06/02/2018</a:t>
             </a:fld>
             <a:endParaRPr lang="fr-FR"/>
           </a:p>
@@ -5118,7 +5118,7 @@
           <a:p>
             <a:fld id="{1F5DCE98-6469-4349-83BA-9C41D5BCF405}" type="datetimeFigureOut">
               <a:rPr lang="fr-FR" smtClean="0"/>
-              <a:t>30/01/2018</a:t>
+              <a:t>06/02/2018</a:t>
             </a:fld>
             <a:endParaRPr lang="fr-FR"/>
           </a:p>
@@ -5213,7 +5213,7 @@
           <a:p>
             <a:fld id="{1F5DCE98-6469-4349-83BA-9C41D5BCF405}" type="datetimeFigureOut">
               <a:rPr lang="fr-FR" smtClean="0"/>
-              <a:t>30/01/2018</a:t>
+              <a:t>06/02/2018</a:t>
             </a:fld>
             <a:endParaRPr lang="fr-FR"/>
           </a:p>
@@ -5496,7 +5496,7 @@
           <a:p>
             <a:fld id="{1F5DCE98-6469-4349-83BA-9C41D5BCF405}" type="datetimeFigureOut">
               <a:rPr lang="fr-FR" smtClean="0"/>
-              <a:t>30/01/2018</a:t>
+              <a:t>06/02/2018</a:t>
             </a:fld>
             <a:endParaRPr lang="fr-FR"/>
           </a:p>
@@ -5787,7 +5787,7 @@
           <a:p>
             <a:fld id="{1F5DCE98-6469-4349-83BA-9C41D5BCF405}" type="datetimeFigureOut">
               <a:rPr lang="fr-FR" smtClean="0"/>
-              <a:t>30/01/2018</a:t>
+              <a:t>06/02/2018</a:t>
             </a:fld>
             <a:endParaRPr lang="fr-FR"/>
           </a:p>
@@ -6018,7 +6018,7 @@
           <a:p>
             <a:fld id="{1F5DCE98-6469-4349-83BA-9C41D5BCF405}" type="datetimeFigureOut">
               <a:rPr lang="fr-FR" smtClean="0"/>
-              <a:t>30/01/2018</a:t>
+              <a:t>06/02/2018</a:t>
             </a:fld>
             <a:endParaRPr lang="fr-FR"/>
           </a:p>
@@ -7062,6 +7062,475 @@
           <a:chExt cx="0" cy="0"/>
         </a:xfrm>
       </p:grpSpPr>
+      <p:pic>
+        <p:nvPicPr>
+          <p:cNvPr id="6" name="Image 5">
+            <a:extLst>
+              <a:ext uri="{FF2B5EF4-FFF2-40B4-BE49-F238E27FC236}">
+                <a16:creationId xmlns:a16="http://schemas.microsoft.com/office/drawing/2014/main" id="{F03CEA8B-2056-4FED-A6A0-20A9EFF96191}"/>
+              </a:ext>
+            </a:extLst>
+          </p:cNvPr>
+          <p:cNvPicPr>
+            <a:picLocks noChangeAspect="1"/>
+          </p:cNvPicPr>
+          <p:nvPr/>
+        </p:nvPicPr>
+        <p:blipFill>
+          <a:blip r:embed="rId2">
+            <a:extLst>
+              <a:ext uri="{28A0092B-C50C-407E-A947-70E740481C1C}">
+                <a14:useLocalDpi xmlns:a14="http://schemas.microsoft.com/office/drawing/2010/main" val="0"/>
+              </a:ext>
+            </a:extLst>
+          </a:blip>
+          <a:stretch>
+            <a:fillRect/>
+          </a:stretch>
+        </p:blipFill>
+        <p:spPr>
+          <a:xfrm>
+            <a:off x="9866489" y="6122696"/>
+            <a:ext cx="2325511" cy="735304"/>
+          </a:xfrm>
+          <a:prstGeom prst="rect">
+            <a:avLst/>
+          </a:prstGeom>
+        </p:spPr>
+      </p:pic>
+      <p:sp>
+        <p:nvSpPr>
+          <p:cNvPr id="7" name="Titre 6">
+            <a:extLst>
+              <a:ext uri="{FF2B5EF4-FFF2-40B4-BE49-F238E27FC236}">
+                <a16:creationId xmlns:a16="http://schemas.microsoft.com/office/drawing/2014/main" id="{06AB6440-86FB-4367-98A3-B3FE5F7C5B57}"/>
+              </a:ext>
+            </a:extLst>
+          </p:cNvPr>
+          <p:cNvSpPr>
+            <a:spLocks noGrp="1"/>
+          </p:cNvSpPr>
+          <p:nvPr>
+            <p:ph type="title"/>
+          </p:nvPr>
+        </p:nvSpPr>
+        <p:spPr>
+          <a:xfrm>
+            <a:off x="2839841" y="280434"/>
+            <a:ext cx="6220440" cy="1284515"/>
+          </a:xfrm>
+        </p:spPr>
+        <p:txBody>
+          <a:bodyPr/>
+          <a:lstStyle/>
+          <a:p>
+            <a:r>
+              <a:rPr lang="fr-FR" dirty="0"/>
+              <a:t>Présentation du projet</a:t>
+            </a:r>
+          </a:p>
+        </p:txBody>
+      </p:sp>
+      <p:graphicFrame>
+        <p:nvGraphicFramePr>
+          <p:cNvPr id="12" name="Graphique 11">
+            <a:extLst>
+              <a:ext uri="{FF2B5EF4-FFF2-40B4-BE49-F238E27FC236}">
+                <a16:creationId xmlns:a16="http://schemas.microsoft.com/office/drawing/2014/main" id="{CF84D83D-1ADD-4C30-A357-58A49863557F}"/>
+              </a:ext>
+            </a:extLst>
+          </p:cNvPr>
+          <p:cNvGraphicFramePr/>
+          <p:nvPr>
+            <p:extLst>
+              <p:ext uri="{D42A27DB-BD31-4B8C-83A1-F6EECF244321}">
+                <p14:modId xmlns:p14="http://schemas.microsoft.com/office/powerpoint/2010/main" val="944570373"/>
+              </p:ext>
+            </p:extLst>
+          </p:nvPr>
+        </p:nvGraphicFramePr>
+        <p:xfrm>
+          <a:off x="0" y="2051939"/>
+          <a:ext cx="5430052" cy="3620036"/>
+        </p:xfrm>
+        <a:graphic>
+          <a:graphicData uri="http://schemas.openxmlformats.org/drawingml/2006/chart">
+            <c:chart xmlns:c="http://schemas.openxmlformats.org/drawingml/2006/chart" xmlns:r="http://schemas.openxmlformats.org/officeDocument/2006/relationships" r:id="rId3"/>
+          </a:graphicData>
+        </a:graphic>
+      </p:graphicFrame>
+      <p:pic>
+        <p:nvPicPr>
+          <p:cNvPr id="16" name="Image 15">
+            <a:extLst>
+              <a:ext uri="{FF2B5EF4-FFF2-40B4-BE49-F238E27FC236}">
+                <a16:creationId xmlns:a16="http://schemas.microsoft.com/office/drawing/2014/main" id="{8DA24CDF-8C46-4FE2-A90B-6764335F0CA9}"/>
+              </a:ext>
+            </a:extLst>
+          </p:cNvPr>
+          <p:cNvPicPr>
+            <a:picLocks noChangeAspect="1"/>
+          </p:cNvPicPr>
+          <p:nvPr/>
+        </p:nvPicPr>
+        <p:blipFill>
+          <a:blip r:embed="rId4">
+            <a:extLst>
+              <a:ext uri="{28A0092B-C50C-407E-A947-70E740481C1C}">
+                <a14:useLocalDpi xmlns:a14="http://schemas.microsoft.com/office/drawing/2010/main" val="0"/>
+              </a:ext>
+            </a:extLst>
+          </a:blip>
+          <a:stretch>
+            <a:fillRect/>
+          </a:stretch>
+        </p:blipFill>
+        <p:spPr>
+          <a:xfrm flipH="1">
+            <a:off x="9534067" y="1564949"/>
+            <a:ext cx="1975729" cy="1975729"/>
+          </a:xfrm>
+          <a:prstGeom prst="rect">
+            <a:avLst/>
+          </a:prstGeom>
+        </p:spPr>
+      </p:pic>
+      <p:pic>
+        <p:nvPicPr>
+          <p:cNvPr id="20" name="Image 19">
+            <a:extLst>
+              <a:ext uri="{FF2B5EF4-FFF2-40B4-BE49-F238E27FC236}">
+                <a16:creationId xmlns:a16="http://schemas.microsoft.com/office/drawing/2014/main" id="{A4392134-D781-4E48-ABEA-8C9D2FF80A13}"/>
+              </a:ext>
+            </a:extLst>
+          </p:cNvPr>
+          <p:cNvPicPr>
+            <a:picLocks noChangeAspect="1"/>
+          </p:cNvPicPr>
+          <p:nvPr/>
+        </p:nvPicPr>
+        <p:blipFill>
+          <a:blip r:embed="rId5">
+            <a:extLst>
+              <a:ext uri="{28A0092B-C50C-407E-A947-70E740481C1C}">
+                <a14:useLocalDpi xmlns:a14="http://schemas.microsoft.com/office/drawing/2010/main" val="0"/>
+              </a:ext>
+            </a:extLst>
+          </a:blip>
+          <a:stretch>
+            <a:fillRect/>
+          </a:stretch>
+        </p:blipFill>
+        <p:spPr>
+          <a:xfrm>
+            <a:off x="9971161" y="4061140"/>
+            <a:ext cx="1432392" cy="1910452"/>
+          </a:xfrm>
+          <a:prstGeom prst="rect">
+            <a:avLst/>
+          </a:prstGeom>
+        </p:spPr>
+      </p:pic>
+      <p:sp>
+        <p:nvSpPr>
+          <p:cNvPr id="22" name="Titre 6">
+            <a:extLst>
+              <a:ext uri="{FF2B5EF4-FFF2-40B4-BE49-F238E27FC236}">
+                <a16:creationId xmlns:a16="http://schemas.microsoft.com/office/drawing/2014/main" id="{B997CFAC-5F7C-43AD-803B-29DDA7875CED}"/>
+              </a:ext>
+            </a:extLst>
+          </p:cNvPr>
+          <p:cNvSpPr txBox="1">
+            <a:spLocks/>
+          </p:cNvSpPr>
+          <p:nvPr/>
+        </p:nvSpPr>
+        <p:spPr>
+          <a:xfrm>
+            <a:off x="7514528" y="2444894"/>
+            <a:ext cx="2456633" cy="478972"/>
+          </a:xfrm>
+          <a:prstGeom prst="rect">
+            <a:avLst/>
+          </a:prstGeom>
+        </p:spPr>
+        <p:txBody>
+          <a:bodyPr vert="horz" lIns="91440" tIns="45720" rIns="91440" bIns="45720" rtlCol="0" anchor="ctr">
+            <a:normAutofit/>
+          </a:bodyPr>
+          <a:lstStyle>
+            <a:lvl1pPr algn="l" defTabSz="457200" rtl="0" eaLnBrk="1" latinLnBrk="0" hangingPunct="1">
+              <a:spcBef>
+                <a:spcPct val="0"/>
+              </a:spcBef>
+              <a:buNone/>
+              <a:defRPr sz="3200" kern="1200" cap="all">
+                <a:ln w="3175" cmpd="sng">
+                  <a:noFill/>
+                </a:ln>
+                <a:gradFill flip="none" rotWithShape="1">
+                  <a:gsLst>
+                    <a:gs pos="0">
+                      <a:schemeClr val="tx1"/>
+                    </a:gs>
+                    <a:gs pos="100000">
+                      <a:schemeClr val="tx1">
+                        <a:lumMod val="65000"/>
+                      </a:schemeClr>
+                    </a:gs>
+                  </a:gsLst>
+                  <a:lin ang="5580000" scaled="0"/>
+                  <a:tileRect/>
+                </a:gradFill>
+                <a:effectLst>
+                  <a:glow rad="38100">
+                    <a:schemeClr val="bg1">
+                      <a:lumMod val="65000"/>
+                      <a:lumOff val="35000"/>
+                      <a:alpha val="40000"/>
+                    </a:schemeClr>
+                  </a:glow>
+                  <a:outerShdw blurRad="28575" dist="38100" dir="14040000" algn="tl" rotWithShape="0">
+                    <a:srgbClr val="000000">
+                      <a:alpha val="25000"/>
+                    </a:srgbClr>
+                  </a:outerShdw>
+                </a:effectLst>
+                <a:latin typeface="+mj-lt"/>
+                <a:ea typeface="+mj-ea"/>
+                <a:cs typeface="+mj-cs"/>
+              </a:defRPr>
+            </a:lvl1pPr>
+            <a:lvl2pPr eaLnBrk="1" hangingPunct="1">
+              <a:defRPr>
+                <a:solidFill>
+                  <a:schemeClr val="tx2"/>
+                </a:solidFill>
+              </a:defRPr>
+            </a:lvl2pPr>
+            <a:lvl3pPr eaLnBrk="1" hangingPunct="1">
+              <a:defRPr>
+                <a:solidFill>
+                  <a:schemeClr val="tx2"/>
+                </a:solidFill>
+              </a:defRPr>
+            </a:lvl3pPr>
+            <a:lvl4pPr eaLnBrk="1" hangingPunct="1">
+              <a:defRPr>
+                <a:solidFill>
+                  <a:schemeClr val="tx2"/>
+                </a:solidFill>
+              </a:defRPr>
+            </a:lvl4pPr>
+            <a:lvl5pPr eaLnBrk="1" hangingPunct="1">
+              <a:defRPr>
+                <a:solidFill>
+                  <a:schemeClr val="tx2"/>
+                </a:solidFill>
+              </a:defRPr>
+            </a:lvl5pPr>
+            <a:lvl6pPr eaLnBrk="1" hangingPunct="1">
+              <a:defRPr>
+                <a:solidFill>
+                  <a:schemeClr val="tx2"/>
+                </a:solidFill>
+              </a:defRPr>
+            </a:lvl6pPr>
+            <a:lvl7pPr eaLnBrk="1" hangingPunct="1">
+              <a:defRPr>
+                <a:solidFill>
+                  <a:schemeClr val="tx2"/>
+                </a:solidFill>
+              </a:defRPr>
+            </a:lvl7pPr>
+            <a:lvl8pPr eaLnBrk="1" hangingPunct="1">
+              <a:defRPr>
+                <a:solidFill>
+                  <a:schemeClr val="tx2"/>
+                </a:solidFill>
+              </a:defRPr>
+            </a:lvl8pPr>
+            <a:lvl9pPr eaLnBrk="1" hangingPunct="1">
+              <a:defRPr>
+                <a:solidFill>
+                  <a:schemeClr val="tx2"/>
+                </a:solidFill>
+              </a:defRPr>
+            </a:lvl9pPr>
+          </a:lstStyle>
+          <a:p>
+            <a:r>
+              <a:rPr lang="fr-FR" sz="2000" cap="none" dirty="0"/>
+              <a:t>Eolienne vertical</a:t>
+            </a:r>
+          </a:p>
+        </p:txBody>
+      </p:sp>
+      <p:sp>
+        <p:nvSpPr>
+          <p:cNvPr id="23" name="Titre 6">
+            <a:extLst>
+              <a:ext uri="{FF2B5EF4-FFF2-40B4-BE49-F238E27FC236}">
+                <a16:creationId xmlns:a16="http://schemas.microsoft.com/office/drawing/2014/main" id="{A811D5B4-5714-4661-819B-47AA231E9B4A}"/>
+              </a:ext>
+            </a:extLst>
+          </p:cNvPr>
+          <p:cNvSpPr txBox="1">
+            <a:spLocks/>
+          </p:cNvSpPr>
+          <p:nvPr/>
+        </p:nvSpPr>
+        <p:spPr>
+          <a:xfrm>
+            <a:off x="7514528" y="4706013"/>
+            <a:ext cx="2456633" cy="478972"/>
+          </a:xfrm>
+          <a:prstGeom prst="rect">
+            <a:avLst/>
+          </a:prstGeom>
+        </p:spPr>
+        <p:txBody>
+          <a:bodyPr vert="horz" lIns="91440" tIns="45720" rIns="91440" bIns="45720" rtlCol="0" anchor="ctr">
+            <a:normAutofit fontScale="92500"/>
+          </a:bodyPr>
+          <a:lstStyle>
+            <a:lvl1pPr algn="l" defTabSz="457200" rtl="0" eaLnBrk="1" latinLnBrk="0" hangingPunct="1">
+              <a:spcBef>
+                <a:spcPct val="0"/>
+              </a:spcBef>
+              <a:buNone/>
+              <a:defRPr sz="3200" kern="1200" cap="all">
+                <a:ln w="3175" cmpd="sng">
+                  <a:noFill/>
+                </a:ln>
+                <a:gradFill flip="none" rotWithShape="1">
+                  <a:gsLst>
+                    <a:gs pos="0">
+                      <a:schemeClr val="tx1"/>
+                    </a:gs>
+                    <a:gs pos="100000">
+                      <a:schemeClr val="tx1">
+                        <a:lumMod val="65000"/>
+                      </a:schemeClr>
+                    </a:gs>
+                  </a:gsLst>
+                  <a:lin ang="5580000" scaled="0"/>
+                  <a:tileRect/>
+                </a:gradFill>
+                <a:effectLst>
+                  <a:glow rad="38100">
+                    <a:schemeClr val="bg1">
+                      <a:lumMod val="65000"/>
+                      <a:lumOff val="35000"/>
+                      <a:alpha val="40000"/>
+                    </a:schemeClr>
+                  </a:glow>
+                  <a:outerShdw blurRad="28575" dist="38100" dir="14040000" algn="tl" rotWithShape="0">
+                    <a:srgbClr val="000000">
+                      <a:alpha val="25000"/>
+                    </a:srgbClr>
+                  </a:outerShdw>
+                </a:effectLst>
+                <a:latin typeface="+mj-lt"/>
+                <a:ea typeface="+mj-ea"/>
+                <a:cs typeface="+mj-cs"/>
+              </a:defRPr>
+            </a:lvl1pPr>
+            <a:lvl2pPr eaLnBrk="1" hangingPunct="1">
+              <a:defRPr>
+                <a:solidFill>
+                  <a:schemeClr val="tx2"/>
+                </a:solidFill>
+              </a:defRPr>
+            </a:lvl2pPr>
+            <a:lvl3pPr eaLnBrk="1" hangingPunct="1">
+              <a:defRPr>
+                <a:solidFill>
+                  <a:schemeClr val="tx2"/>
+                </a:solidFill>
+              </a:defRPr>
+            </a:lvl3pPr>
+            <a:lvl4pPr eaLnBrk="1" hangingPunct="1">
+              <a:defRPr>
+                <a:solidFill>
+                  <a:schemeClr val="tx2"/>
+                </a:solidFill>
+              </a:defRPr>
+            </a:lvl4pPr>
+            <a:lvl5pPr eaLnBrk="1" hangingPunct="1">
+              <a:defRPr>
+                <a:solidFill>
+                  <a:schemeClr val="tx2"/>
+                </a:solidFill>
+              </a:defRPr>
+            </a:lvl5pPr>
+            <a:lvl6pPr eaLnBrk="1" hangingPunct="1">
+              <a:defRPr>
+                <a:solidFill>
+                  <a:schemeClr val="tx2"/>
+                </a:solidFill>
+              </a:defRPr>
+            </a:lvl6pPr>
+            <a:lvl7pPr eaLnBrk="1" hangingPunct="1">
+              <a:defRPr>
+                <a:solidFill>
+                  <a:schemeClr val="tx2"/>
+                </a:solidFill>
+              </a:defRPr>
+            </a:lvl7pPr>
+            <a:lvl8pPr eaLnBrk="1" hangingPunct="1">
+              <a:defRPr>
+                <a:solidFill>
+                  <a:schemeClr val="tx2"/>
+                </a:solidFill>
+              </a:defRPr>
+            </a:lvl8pPr>
+            <a:lvl9pPr eaLnBrk="1" hangingPunct="1">
+              <a:defRPr>
+                <a:solidFill>
+                  <a:schemeClr val="tx2"/>
+                </a:solidFill>
+              </a:defRPr>
+            </a:lvl9pPr>
+          </a:lstStyle>
+          <a:p>
+            <a:r>
+              <a:rPr lang="fr-FR" sz="2000" cap="none" dirty="0"/>
+              <a:t>Eolienne Horizontal</a:t>
+            </a:r>
+          </a:p>
+        </p:txBody>
+      </p:sp>
+    </p:spTree>
+    <p:extLst>
+      <p:ext uri="{BB962C8B-B14F-4D97-AF65-F5344CB8AC3E}">
+        <p14:creationId xmlns:p14="http://schemas.microsoft.com/office/powerpoint/2010/main" val="2546965256"/>
+      </p:ext>
+    </p:extLst>
+  </p:cSld>
+  <p:clrMapOvr>
+    <a:masterClrMapping/>
+  </p:clrMapOvr>
+</p:sld>
+</file>
+
+<file path=ppt/slides/slide3.xml><?xml version="1.0" encoding="utf-8"?>
+<p:sld xmlns:a="http://schemas.openxmlformats.org/drawingml/2006/main" xmlns:r="http://schemas.openxmlformats.org/officeDocument/2006/relationships" xmlns:p="http://schemas.openxmlformats.org/presentationml/2006/main">
+  <p:cSld>
+    <p:spTree>
+      <p:nvGrpSpPr>
+        <p:cNvPr id="1" name=""/>
+        <p:cNvGrpSpPr/>
+        <p:nvPr/>
+      </p:nvGrpSpPr>
+      <p:grpSpPr>
+        <a:xfrm>
+          <a:off x="0" y="0"/>
+          <a:ext cx="0" cy="0"/>
+          <a:chOff x="0" y="0"/>
+          <a:chExt cx="0" cy="0"/>
+        </a:xfrm>
+      </p:grpSpPr>
       <p:sp>
         <p:nvSpPr>
           <p:cNvPr id="2" name="Titre 1">
@@ -7853,475 +8322,6 @@
     <p:extLst>
       <p:ext uri="{BB962C8B-B14F-4D97-AF65-F5344CB8AC3E}">
         <p14:creationId xmlns:p14="http://schemas.microsoft.com/office/powerpoint/2010/main" val="4032526889"/>
-      </p:ext>
-    </p:extLst>
-  </p:cSld>
-  <p:clrMapOvr>
-    <a:masterClrMapping/>
-  </p:clrMapOvr>
-</p:sld>
-</file>
-
-<file path=ppt/slides/slide3.xml><?xml version="1.0" encoding="utf-8"?>
-<p:sld xmlns:a="http://schemas.openxmlformats.org/drawingml/2006/main" xmlns:r="http://schemas.openxmlformats.org/officeDocument/2006/relationships" xmlns:p="http://schemas.openxmlformats.org/presentationml/2006/main">
-  <p:cSld>
-    <p:spTree>
-      <p:nvGrpSpPr>
-        <p:cNvPr id="1" name=""/>
-        <p:cNvGrpSpPr/>
-        <p:nvPr/>
-      </p:nvGrpSpPr>
-      <p:grpSpPr>
-        <a:xfrm>
-          <a:off x="0" y="0"/>
-          <a:ext cx="0" cy="0"/>
-          <a:chOff x="0" y="0"/>
-          <a:chExt cx="0" cy="0"/>
-        </a:xfrm>
-      </p:grpSpPr>
-      <p:pic>
-        <p:nvPicPr>
-          <p:cNvPr id="6" name="Image 5">
-            <a:extLst>
-              <a:ext uri="{FF2B5EF4-FFF2-40B4-BE49-F238E27FC236}">
-                <a16:creationId xmlns:a16="http://schemas.microsoft.com/office/drawing/2014/main" id="{F03CEA8B-2056-4FED-A6A0-20A9EFF96191}"/>
-              </a:ext>
-            </a:extLst>
-          </p:cNvPr>
-          <p:cNvPicPr>
-            <a:picLocks noChangeAspect="1"/>
-          </p:cNvPicPr>
-          <p:nvPr/>
-        </p:nvPicPr>
-        <p:blipFill>
-          <a:blip r:embed="rId2">
-            <a:extLst>
-              <a:ext uri="{28A0092B-C50C-407E-A947-70E740481C1C}">
-                <a14:useLocalDpi xmlns:a14="http://schemas.microsoft.com/office/drawing/2010/main" val="0"/>
-              </a:ext>
-            </a:extLst>
-          </a:blip>
-          <a:stretch>
-            <a:fillRect/>
-          </a:stretch>
-        </p:blipFill>
-        <p:spPr>
-          <a:xfrm>
-            <a:off x="9866489" y="6122696"/>
-            <a:ext cx="2325511" cy="735304"/>
-          </a:xfrm>
-          <a:prstGeom prst="rect">
-            <a:avLst/>
-          </a:prstGeom>
-        </p:spPr>
-      </p:pic>
-      <p:sp>
-        <p:nvSpPr>
-          <p:cNvPr id="7" name="Titre 6">
-            <a:extLst>
-              <a:ext uri="{FF2B5EF4-FFF2-40B4-BE49-F238E27FC236}">
-                <a16:creationId xmlns:a16="http://schemas.microsoft.com/office/drawing/2014/main" id="{06AB6440-86FB-4367-98A3-B3FE5F7C5B57}"/>
-              </a:ext>
-            </a:extLst>
-          </p:cNvPr>
-          <p:cNvSpPr>
-            <a:spLocks noGrp="1"/>
-          </p:cNvSpPr>
-          <p:nvPr>
-            <p:ph type="title"/>
-          </p:nvPr>
-        </p:nvSpPr>
-        <p:spPr>
-          <a:xfrm>
-            <a:off x="2839841" y="280434"/>
-            <a:ext cx="6220440" cy="1284515"/>
-          </a:xfrm>
-        </p:spPr>
-        <p:txBody>
-          <a:bodyPr/>
-          <a:lstStyle/>
-          <a:p>
-            <a:r>
-              <a:rPr lang="fr-FR" dirty="0"/>
-              <a:t>Présentation du projet</a:t>
-            </a:r>
-          </a:p>
-        </p:txBody>
-      </p:sp>
-      <p:graphicFrame>
-        <p:nvGraphicFramePr>
-          <p:cNvPr id="12" name="Graphique 11">
-            <a:extLst>
-              <a:ext uri="{FF2B5EF4-FFF2-40B4-BE49-F238E27FC236}">
-                <a16:creationId xmlns:a16="http://schemas.microsoft.com/office/drawing/2014/main" id="{CF84D83D-1ADD-4C30-A357-58A49863557F}"/>
-              </a:ext>
-            </a:extLst>
-          </p:cNvPr>
-          <p:cNvGraphicFramePr/>
-          <p:nvPr>
-            <p:extLst>
-              <p:ext uri="{D42A27DB-BD31-4B8C-83A1-F6EECF244321}">
-                <p14:modId xmlns:p14="http://schemas.microsoft.com/office/powerpoint/2010/main" val="944570373"/>
-              </p:ext>
-            </p:extLst>
-          </p:nvPr>
-        </p:nvGraphicFramePr>
-        <p:xfrm>
-          <a:off x="0" y="2051939"/>
-          <a:ext cx="5430052" cy="3620036"/>
-        </p:xfrm>
-        <a:graphic>
-          <a:graphicData uri="http://schemas.openxmlformats.org/drawingml/2006/chart">
-            <c:chart xmlns:c="http://schemas.openxmlformats.org/drawingml/2006/chart" xmlns:r="http://schemas.openxmlformats.org/officeDocument/2006/relationships" r:id="rId3"/>
-          </a:graphicData>
-        </a:graphic>
-      </p:graphicFrame>
-      <p:pic>
-        <p:nvPicPr>
-          <p:cNvPr id="16" name="Image 15">
-            <a:extLst>
-              <a:ext uri="{FF2B5EF4-FFF2-40B4-BE49-F238E27FC236}">
-                <a16:creationId xmlns:a16="http://schemas.microsoft.com/office/drawing/2014/main" id="{8DA24CDF-8C46-4FE2-A90B-6764335F0CA9}"/>
-              </a:ext>
-            </a:extLst>
-          </p:cNvPr>
-          <p:cNvPicPr>
-            <a:picLocks noChangeAspect="1"/>
-          </p:cNvPicPr>
-          <p:nvPr/>
-        </p:nvPicPr>
-        <p:blipFill>
-          <a:blip r:embed="rId4">
-            <a:extLst>
-              <a:ext uri="{28A0092B-C50C-407E-A947-70E740481C1C}">
-                <a14:useLocalDpi xmlns:a14="http://schemas.microsoft.com/office/drawing/2010/main" val="0"/>
-              </a:ext>
-            </a:extLst>
-          </a:blip>
-          <a:stretch>
-            <a:fillRect/>
-          </a:stretch>
-        </p:blipFill>
-        <p:spPr>
-          <a:xfrm flipH="1">
-            <a:off x="9534067" y="1564949"/>
-            <a:ext cx="1975729" cy="1975729"/>
-          </a:xfrm>
-          <a:prstGeom prst="rect">
-            <a:avLst/>
-          </a:prstGeom>
-        </p:spPr>
-      </p:pic>
-      <p:pic>
-        <p:nvPicPr>
-          <p:cNvPr id="20" name="Image 19">
-            <a:extLst>
-              <a:ext uri="{FF2B5EF4-FFF2-40B4-BE49-F238E27FC236}">
-                <a16:creationId xmlns:a16="http://schemas.microsoft.com/office/drawing/2014/main" id="{A4392134-D781-4E48-ABEA-8C9D2FF80A13}"/>
-              </a:ext>
-            </a:extLst>
-          </p:cNvPr>
-          <p:cNvPicPr>
-            <a:picLocks noChangeAspect="1"/>
-          </p:cNvPicPr>
-          <p:nvPr/>
-        </p:nvPicPr>
-        <p:blipFill>
-          <a:blip r:embed="rId5">
-            <a:extLst>
-              <a:ext uri="{28A0092B-C50C-407E-A947-70E740481C1C}">
-                <a14:useLocalDpi xmlns:a14="http://schemas.microsoft.com/office/drawing/2010/main" val="0"/>
-              </a:ext>
-            </a:extLst>
-          </a:blip>
-          <a:stretch>
-            <a:fillRect/>
-          </a:stretch>
-        </p:blipFill>
-        <p:spPr>
-          <a:xfrm>
-            <a:off x="9971161" y="4061140"/>
-            <a:ext cx="1432392" cy="1910452"/>
-          </a:xfrm>
-          <a:prstGeom prst="rect">
-            <a:avLst/>
-          </a:prstGeom>
-        </p:spPr>
-      </p:pic>
-      <p:sp>
-        <p:nvSpPr>
-          <p:cNvPr id="22" name="Titre 6">
-            <a:extLst>
-              <a:ext uri="{FF2B5EF4-FFF2-40B4-BE49-F238E27FC236}">
-                <a16:creationId xmlns:a16="http://schemas.microsoft.com/office/drawing/2014/main" id="{B997CFAC-5F7C-43AD-803B-29DDA7875CED}"/>
-              </a:ext>
-            </a:extLst>
-          </p:cNvPr>
-          <p:cNvSpPr txBox="1">
-            <a:spLocks/>
-          </p:cNvSpPr>
-          <p:nvPr/>
-        </p:nvSpPr>
-        <p:spPr>
-          <a:xfrm>
-            <a:off x="7514528" y="2444894"/>
-            <a:ext cx="2456633" cy="478972"/>
-          </a:xfrm>
-          <a:prstGeom prst="rect">
-            <a:avLst/>
-          </a:prstGeom>
-        </p:spPr>
-        <p:txBody>
-          <a:bodyPr vert="horz" lIns="91440" tIns="45720" rIns="91440" bIns="45720" rtlCol="0" anchor="ctr">
-            <a:normAutofit/>
-          </a:bodyPr>
-          <a:lstStyle>
-            <a:lvl1pPr algn="l" defTabSz="457200" rtl="0" eaLnBrk="1" latinLnBrk="0" hangingPunct="1">
-              <a:spcBef>
-                <a:spcPct val="0"/>
-              </a:spcBef>
-              <a:buNone/>
-              <a:defRPr sz="3200" kern="1200" cap="all">
-                <a:ln w="3175" cmpd="sng">
-                  <a:noFill/>
-                </a:ln>
-                <a:gradFill flip="none" rotWithShape="1">
-                  <a:gsLst>
-                    <a:gs pos="0">
-                      <a:schemeClr val="tx1"/>
-                    </a:gs>
-                    <a:gs pos="100000">
-                      <a:schemeClr val="tx1">
-                        <a:lumMod val="65000"/>
-                      </a:schemeClr>
-                    </a:gs>
-                  </a:gsLst>
-                  <a:lin ang="5580000" scaled="0"/>
-                  <a:tileRect/>
-                </a:gradFill>
-                <a:effectLst>
-                  <a:glow rad="38100">
-                    <a:schemeClr val="bg1">
-                      <a:lumMod val="65000"/>
-                      <a:lumOff val="35000"/>
-                      <a:alpha val="40000"/>
-                    </a:schemeClr>
-                  </a:glow>
-                  <a:outerShdw blurRad="28575" dist="38100" dir="14040000" algn="tl" rotWithShape="0">
-                    <a:srgbClr val="000000">
-                      <a:alpha val="25000"/>
-                    </a:srgbClr>
-                  </a:outerShdw>
-                </a:effectLst>
-                <a:latin typeface="+mj-lt"/>
-                <a:ea typeface="+mj-ea"/>
-                <a:cs typeface="+mj-cs"/>
-              </a:defRPr>
-            </a:lvl1pPr>
-            <a:lvl2pPr eaLnBrk="1" hangingPunct="1">
-              <a:defRPr>
-                <a:solidFill>
-                  <a:schemeClr val="tx2"/>
-                </a:solidFill>
-              </a:defRPr>
-            </a:lvl2pPr>
-            <a:lvl3pPr eaLnBrk="1" hangingPunct="1">
-              <a:defRPr>
-                <a:solidFill>
-                  <a:schemeClr val="tx2"/>
-                </a:solidFill>
-              </a:defRPr>
-            </a:lvl3pPr>
-            <a:lvl4pPr eaLnBrk="1" hangingPunct="1">
-              <a:defRPr>
-                <a:solidFill>
-                  <a:schemeClr val="tx2"/>
-                </a:solidFill>
-              </a:defRPr>
-            </a:lvl4pPr>
-            <a:lvl5pPr eaLnBrk="1" hangingPunct="1">
-              <a:defRPr>
-                <a:solidFill>
-                  <a:schemeClr val="tx2"/>
-                </a:solidFill>
-              </a:defRPr>
-            </a:lvl5pPr>
-            <a:lvl6pPr eaLnBrk="1" hangingPunct="1">
-              <a:defRPr>
-                <a:solidFill>
-                  <a:schemeClr val="tx2"/>
-                </a:solidFill>
-              </a:defRPr>
-            </a:lvl6pPr>
-            <a:lvl7pPr eaLnBrk="1" hangingPunct="1">
-              <a:defRPr>
-                <a:solidFill>
-                  <a:schemeClr val="tx2"/>
-                </a:solidFill>
-              </a:defRPr>
-            </a:lvl7pPr>
-            <a:lvl8pPr eaLnBrk="1" hangingPunct="1">
-              <a:defRPr>
-                <a:solidFill>
-                  <a:schemeClr val="tx2"/>
-                </a:solidFill>
-              </a:defRPr>
-            </a:lvl8pPr>
-            <a:lvl9pPr eaLnBrk="1" hangingPunct="1">
-              <a:defRPr>
-                <a:solidFill>
-                  <a:schemeClr val="tx2"/>
-                </a:solidFill>
-              </a:defRPr>
-            </a:lvl9pPr>
-          </a:lstStyle>
-          <a:p>
-            <a:r>
-              <a:rPr lang="fr-FR" sz="2000" cap="none" dirty="0"/>
-              <a:t>Eolienne vertical</a:t>
-            </a:r>
-          </a:p>
-        </p:txBody>
-      </p:sp>
-      <p:sp>
-        <p:nvSpPr>
-          <p:cNvPr id="23" name="Titre 6">
-            <a:extLst>
-              <a:ext uri="{FF2B5EF4-FFF2-40B4-BE49-F238E27FC236}">
-                <a16:creationId xmlns:a16="http://schemas.microsoft.com/office/drawing/2014/main" id="{A811D5B4-5714-4661-819B-47AA231E9B4A}"/>
-              </a:ext>
-            </a:extLst>
-          </p:cNvPr>
-          <p:cNvSpPr txBox="1">
-            <a:spLocks/>
-          </p:cNvSpPr>
-          <p:nvPr/>
-        </p:nvSpPr>
-        <p:spPr>
-          <a:xfrm>
-            <a:off x="7514528" y="4706013"/>
-            <a:ext cx="2456633" cy="478972"/>
-          </a:xfrm>
-          <a:prstGeom prst="rect">
-            <a:avLst/>
-          </a:prstGeom>
-        </p:spPr>
-        <p:txBody>
-          <a:bodyPr vert="horz" lIns="91440" tIns="45720" rIns="91440" bIns="45720" rtlCol="0" anchor="ctr">
-            <a:normAutofit fontScale="92500"/>
-          </a:bodyPr>
-          <a:lstStyle>
-            <a:lvl1pPr algn="l" defTabSz="457200" rtl="0" eaLnBrk="1" latinLnBrk="0" hangingPunct="1">
-              <a:spcBef>
-                <a:spcPct val="0"/>
-              </a:spcBef>
-              <a:buNone/>
-              <a:defRPr sz="3200" kern="1200" cap="all">
-                <a:ln w="3175" cmpd="sng">
-                  <a:noFill/>
-                </a:ln>
-                <a:gradFill flip="none" rotWithShape="1">
-                  <a:gsLst>
-                    <a:gs pos="0">
-                      <a:schemeClr val="tx1"/>
-                    </a:gs>
-                    <a:gs pos="100000">
-                      <a:schemeClr val="tx1">
-                        <a:lumMod val="65000"/>
-                      </a:schemeClr>
-                    </a:gs>
-                  </a:gsLst>
-                  <a:lin ang="5580000" scaled="0"/>
-                  <a:tileRect/>
-                </a:gradFill>
-                <a:effectLst>
-                  <a:glow rad="38100">
-                    <a:schemeClr val="bg1">
-                      <a:lumMod val="65000"/>
-                      <a:lumOff val="35000"/>
-                      <a:alpha val="40000"/>
-                    </a:schemeClr>
-                  </a:glow>
-                  <a:outerShdw blurRad="28575" dist="38100" dir="14040000" algn="tl" rotWithShape="0">
-                    <a:srgbClr val="000000">
-                      <a:alpha val="25000"/>
-                    </a:srgbClr>
-                  </a:outerShdw>
-                </a:effectLst>
-                <a:latin typeface="+mj-lt"/>
-                <a:ea typeface="+mj-ea"/>
-                <a:cs typeface="+mj-cs"/>
-              </a:defRPr>
-            </a:lvl1pPr>
-            <a:lvl2pPr eaLnBrk="1" hangingPunct="1">
-              <a:defRPr>
-                <a:solidFill>
-                  <a:schemeClr val="tx2"/>
-                </a:solidFill>
-              </a:defRPr>
-            </a:lvl2pPr>
-            <a:lvl3pPr eaLnBrk="1" hangingPunct="1">
-              <a:defRPr>
-                <a:solidFill>
-                  <a:schemeClr val="tx2"/>
-                </a:solidFill>
-              </a:defRPr>
-            </a:lvl3pPr>
-            <a:lvl4pPr eaLnBrk="1" hangingPunct="1">
-              <a:defRPr>
-                <a:solidFill>
-                  <a:schemeClr val="tx2"/>
-                </a:solidFill>
-              </a:defRPr>
-            </a:lvl4pPr>
-            <a:lvl5pPr eaLnBrk="1" hangingPunct="1">
-              <a:defRPr>
-                <a:solidFill>
-                  <a:schemeClr val="tx2"/>
-                </a:solidFill>
-              </a:defRPr>
-            </a:lvl5pPr>
-            <a:lvl6pPr eaLnBrk="1" hangingPunct="1">
-              <a:defRPr>
-                <a:solidFill>
-                  <a:schemeClr val="tx2"/>
-                </a:solidFill>
-              </a:defRPr>
-            </a:lvl6pPr>
-            <a:lvl7pPr eaLnBrk="1" hangingPunct="1">
-              <a:defRPr>
-                <a:solidFill>
-                  <a:schemeClr val="tx2"/>
-                </a:solidFill>
-              </a:defRPr>
-            </a:lvl7pPr>
-            <a:lvl8pPr eaLnBrk="1" hangingPunct="1">
-              <a:defRPr>
-                <a:solidFill>
-                  <a:schemeClr val="tx2"/>
-                </a:solidFill>
-              </a:defRPr>
-            </a:lvl8pPr>
-            <a:lvl9pPr eaLnBrk="1" hangingPunct="1">
-              <a:defRPr>
-                <a:solidFill>
-                  <a:schemeClr val="tx2"/>
-                </a:solidFill>
-              </a:defRPr>
-            </a:lvl9pPr>
-          </a:lstStyle>
-          <a:p>
-            <a:r>
-              <a:rPr lang="fr-FR" sz="2000" cap="none" dirty="0"/>
-              <a:t>Eolienne Horizontal</a:t>
-            </a:r>
-          </a:p>
-        </p:txBody>
-      </p:sp>
-    </p:spTree>
-    <p:extLst>
-      <p:ext uri="{BB962C8B-B14F-4D97-AF65-F5344CB8AC3E}">
-        <p14:creationId xmlns:p14="http://schemas.microsoft.com/office/powerpoint/2010/main" val="2546965256"/>
       </p:ext>
     </p:extLst>
   </p:cSld>
